--- a/Document/3D - Structure-Diagram.pptx
+++ b/Document/3D - Structure-Diagram.pptx
@@ -259,7 +259,7 @@
           <a:p>
             <a:fld id="{8AB6AC33-CCDF-4BA8-B1F7-BED26F796209}" type="datetimeFigureOut">
               <a:rPr lang="zh-CN" altLang="en-US" smtClean="0"/>
-              <a:t>2025/4/18</a:t>
+              <a:t>2025/4/21</a:t>
             </a:fld>
             <a:endParaRPr lang="zh-CN" altLang="en-US"/>
           </a:p>
@@ -457,7 +457,7 @@
           <a:p>
             <a:fld id="{8AB6AC33-CCDF-4BA8-B1F7-BED26F796209}" type="datetimeFigureOut">
               <a:rPr lang="zh-CN" altLang="en-US" smtClean="0"/>
-              <a:t>2025/4/18</a:t>
+              <a:t>2025/4/21</a:t>
             </a:fld>
             <a:endParaRPr lang="zh-CN" altLang="en-US"/>
           </a:p>
@@ -665,7 +665,7 @@
           <a:p>
             <a:fld id="{8AB6AC33-CCDF-4BA8-B1F7-BED26F796209}" type="datetimeFigureOut">
               <a:rPr lang="zh-CN" altLang="en-US" smtClean="0"/>
-              <a:t>2025/4/18</a:t>
+              <a:t>2025/4/21</a:t>
             </a:fld>
             <a:endParaRPr lang="zh-CN" altLang="en-US"/>
           </a:p>
@@ -863,7 +863,7 @@
           <a:p>
             <a:fld id="{8AB6AC33-CCDF-4BA8-B1F7-BED26F796209}" type="datetimeFigureOut">
               <a:rPr lang="zh-CN" altLang="en-US" smtClean="0"/>
-              <a:t>2025/4/18</a:t>
+              <a:t>2025/4/21</a:t>
             </a:fld>
             <a:endParaRPr lang="zh-CN" altLang="en-US"/>
           </a:p>
@@ -1138,7 +1138,7 @@
           <a:p>
             <a:fld id="{8AB6AC33-CCDF-4BA8-B1F7-BED26F796209}" type="datetimeFigureOut">
               <a:rPr lang="zh-CN" altLang="en-US" smtClean="0"/>
-              <a:t>2025/4/18</a:t>
+              <a:t>2025/4/21</a:t>
             </a:fld>
             <a:endParaRPr lang="zh-CN" altLang="en-US"/>
           </a:p>
@@ -1403,7 +1403,7 @@
           <a:p>
             <a:fld id="{8AB6AC33-CCDF-4BA8-B1F7-BED26F796209}" type="datetimeFigureOut">
               <a:rPr lang="zh-CN" altLang="en-US" smtClean="0"/>
-              <a:t>2025/4/18</a:t>
+              <a:t>2025/4/21</a:t>
             </a:fld>
             <a:endParaRPr lang="zh-CN" altLang="en-US"/>
           </a:p>
@@ -1815,7 +1815,7 @@
           <a:p>
             <a:fld id="{8AB6AC33-CCDF-4BA8-B1F7-BED26F796209}" type="datetimeFigureOut">
               <a:rPr lang="zh-CN" altLang="en-US" smtClean="0"/>
-              <a:t>2025/4/18</a:t>
+              <a:t>2025/4/21</a:t>
             </a:fld>
             <a:endParaRPr lang="zh-CN" altLang="en-US"/>
           </a:p>
@@ -1956,7 +1956,7 @@
           <a:p>
             <a:fld id="{8AB6AC33-CCDF-4BA8-B1F7-BED26F796209}" type="datetimeFigureOut">
               <a:rPr lang="zh-CN" altLang="en-US" smtClean="0"/>
-              <a:t>2025/4/18</a:t>
+              <a:t>2025/4/21</a:t>
             </a:fld>
             <a:endParaRPr lang="zh-CN" altLang="en-US"/>
           </a:p>
@@ -2069,7 +2069,7 @@
           <a:p>
             <a:fld id="{8AB6AC33-CCDF-4BA8-B1F7-BED26F796209}" type="datetimeFigureOut">
               <a:rPr lang="zh-CN" altLang="en-US" smtClean="0"/>
-              <a:t>2025/4/18</a:t>
+              <a:t>2025/4/21</a:t>
             </a:fld>
             <a:endParaRPr lang="zh-CN" altLang="en-US"/>
           </a:p>
@@ -2380,7 +2380,7 @@
           <a:p>
             <a:fld id="{8AB6AC33-CCDF-4BA8-B1F7-BED26F796209}" type="datetimeFigureOut">
               <a:rPr lang="zh-CN" altLang="en-US" smtClean="0"/>
-              <a:t>2025/4/18</a:t>
+              <a:t>2025/4/21</a:t>
             </a:fld>
             <a:endParaRPr lang="zh-CN" altLang="en-US"/>
           </a:p>
@@ -2668,7 +2668,7 @@
           <a:p>
             <a:fld id="{8AB6AC33-CCDF-4BA8-B1F7-BED26F796209}" type="datetimeFigureOut">
               <a:rPr lang="zh-CN" altLang="en-US" smtClean="0"/>
-              <a:t>2025/4/18</a:t>
+              <a:t>2025/4/21</a:t>
             </a:fld>
             <a:endParaRPr lang="zh-CN" altLang="en-US"/>
           </a:p>
@@ -2909,7 +2909,7 @@
           <a:p>
             <a:fld id="{8AB6AC33-CCDF-4BA8-B1F7-BED26F796209}" type="datetimeFigureOut">
               <a:rPr lang="zh-CN" altLang="en-US" smtClean="0"/>
-              <a:t>2025/4/18</a:t>
+              <a:t>2025/4/21</a:t>
             </a:fld>
             <a:endParaRPr lang="zh-CN" altLang="en-US"/>
           </a:p>
@@ -3328,10 +3328,10 @@
       </p:grpSpPr>
       <p:grpSp>
         <p:nvGrpSpPr>
-          <p:cNvPr id="2" name="组合 1">
-            <a:extLst>
-              <a:ext uri="{FF2B5EF4-FFF2-40B4-BE49-F238E27FC236}">
-                <a16:creationId xmlns:a16="http://schemas.microsoft.com/office/drawing/2014/main" id="{C899F4A0-037E-CC7A-ACCD-3C9360580F25}"/>
+          <p:cNvPr id="20" name="组合 19">
+            <a:extLst>
+              <a:ext uri="{FF2B5EF4-FFF2-40B4-BE49-F238E27FC236}">
+                <a16:creationId xmlns:a16="http://schemas.microsoft.com/office/drawing/2014/main" id="{FED400E7-F1CC-F11D-3540-1CA29BF62395}"/>
               </a:ext>
             </a:extLst>
           </p:cNvPr>
@@ -3339,9 +3339,9 @@
           <p:nvPr/>
         </p:nvGrpSpPr>
         <p:grpSpPr>
-          <a:xfrm rot="20489164">
-            <a:off x="6165947" y="2190069"/>
-            <a:ext cx="3890197" cy="3060953"/>
+          <a:xfrm rot="20629194">
+            <a:off x="6215626" y="2109199"/>
+            <a:ext cx="3890197" cy="3043713"/>
             <a:chOff x="967970" y="1968131"/>
             <a:chExt cx="2765840" cy="2818500"/>
           </a:xfrm>
@@ -3352,10 +3352,10 @@
         </p:grpSpPr>
         <p:sp>
           <p:nvSpPr>
-            <p:cNvPr id="3" name="矩形 2">
+            <p:cNvPr id="23" name="矩形 22">
               <a:extLst>
                 <a:ext uri="{FF2B5EF4-FFF2-40B4-BE49-F238E27FC236}">
-                  <a16:creationId xmlns:a16="http://schemas.microsoft.com/office/drawing/2014/main" id="{925E558E-47D4-8D37-57F0-AD6B7E3E3FF3}"/>
+                  <a16:creationId xmlns:a16="http://schemas.microsoft.com/office/drawing/2014/main" id="{13ADDD90-5E86-99D8-A10E-EE1055185ABD}"/>
                 </a:ext>
               </a:extLst>
             </p:cNvPr>
@@ -3403,16 +3403,28 @@
             <a:lstStyle/>
             <a:p>
               <a:pPr algn="ctr"/>
-              <a:endParaRPr lang="zh-CN" altLang="en-US"/>
+              <a:r>
+                <a:rPr lang="en-US" altLang="zh-CN" dirty="0">
+                  <a:solidFill>
+                    <a:schemeClr val="tx1"/>
+                  </a:solidFill>
+                </a:rPr>
+                <a:t>arm</a:t>
+              </a:r>
+              <a:endParaRPr lang="zh-CN" altLang="en-US" dirty="0">
+                <a:solidFill>
+                  <a:schemeClr val="tx1"/>
+                </a:solidFill>
+              </a:endParaRPr>
             </a:p>
           </p:txBody>
         </p:sp>
         <p:sp>
           <p:nvSpPr>
-            <p:cNvPr id="11" name="矩形 10">
+            <p:cNvPr id="25" name="矩形 24">
               <a:extLst>
                 <a:ext uri="{FF2B5EF4-FFF2-40B4-BE49-F238E27FC236}">
-                  <a16:creationId xmlns:a16="http://schemas.microsoft.com/office/drawing/2014/main" id="{DB7F55E5-0337-8F73-32C9-CB1D35DF11CC}"/>
+                  <a16:creationId xmlns:a16="http://schemas.microsoft.com/office/drawing/2014/main" id="{63D3689D-8B22-33E8-753C-C14035958AE2}"/>
                 </a:ext>
               </a:extLst>
             </p:cNvPr>
@@ -3460,16 +3472,16 @@
             <a:lstStyle/>
             <a:p>
               <a:pPr algn="ctr"/>
-              <a:endParaRPr lang="zh-CN" altLang="en-US"/>
+              <a:endParaRPr lang="zh-CN" altLang="en-US" dirty="0"/>
             </a:p>
           </p:txBody>
         </p:sp>
         <p:sp>
           <p:nvSpPr>
-            <p:cNvPr id="12" name="矩形 11">
+            <p:cNvPr id="27" name="矩形 26">
               <a:extLst>
                 <a:ext uri="{FF2B5EF4-FFF2-40B4-BE49-F238E27FC236}">
-                  <a16:creationId xmlns:a16="http://schemas.microsoft.com/office/drawing/2014/main" id="{59C9763D-4E3B-89BD-1FC3-3226A620DFB6}"/>
+                  <a16:creationId xmlns:a16="http://schemas.microsoft.com/office/drawing/2014/main" id="{4C14B3AD-6F41-8232-CA26-C7D232454D9C}"/>
                 </a:ext>
               </a:extLst>
             </p:cNvPr>
@@ -3517,16 +3529,28 @@
             <a:lstStyle/>
             <a:p>
               <a:pPr algn="ctr"/>
-              <a:endParaRPr lang="zh-CN" altLang="en-US"/>
+              <a:r>
+                <a:rPr lang="en-US" altLang="zh-CN" dirty="0">
+                  <a:solidFill>
+                    <a:schemeClr val="tx1"/>
+                  </a:solidFill>
+                </a:rPr>
+                <a:t>arm</a:t>
+              </a:r>
+              <a:endParaRPr lang="zh-CN" altLang="en-US" dirty="0">
+                <a:solidFill>
+                  <a:schemeClr val="tx1"/>
+                </a:solidFill>
+              </a:endParaRPr>
             </a:p>
           </p:txBody>
         </p:sp>
         <p:sp>
           <p:nvSpPr>
-            <p:cNvPr id="13" name="矩形 12">
+            <p:cNvPr id="28" name="矩形 27">
               <a:extLst>
                 <a:ext uri="{FF2B5EF4-FFF2-40B4-BE49-F238E27FC236}">
-                  <a16:creationId xmlns:a16="http://schemas.microsoft.com/office/drawing/2014/main" id="{352E5496-D56B-9CFE-5BE5-67A6DBCA0C1E}"/>
+                  <a16:creationId xmlns:a16="http://schemas.microsoft.com/office/drawing/2014/main" id="{33605A64-4722-0DF3-FB06-D0CC4354F135}"/>
                 </a:ext>
               </a:extLst>
             </p:cNvPr>
@@ -3580,10 +3604,10 @@
         </p:sp>
         <p:sp>
           <p:nvSpPr>
-            <p:cNvPr id="14" name="流程图: 接点 13">
+            <p:cNvPr id="29" name="流程图: 接点 28">
               <a:extLst>
                 <a:ext uri="{FF2B5EF4-FFF2-40B4-BE49-F238E27FC236}">
-                  <a16:creationId xmlns:a16="http://schemas.microsoft.com/office/drawing/2014/main" id="{E135D669-71B5-4939-A6DB-DEAD92057767}"/>
+                  <a16:creationId xmlns:a16="http://schemas.microsoft.com/office/drawing/2014/main" id="{19A01E48-4A18-9E58-D013-2F3D3D49E0E4}"/>
                 </a:ext>
               </a:extLst>
             </p:cNvPr>
@@ -3634,16 +3658,20 @@
             <a:lstStyle/>
             <a:p>
               <a:pPr algn="ctr"/>
-              <a:endParaRPr lang="zh-CN" altLang="en-US"/>
+              <a:r>
+                <a:rPr lang="en-US" altLang="zh-CN" dirty="0"/>
+                <a:t>motor</a:t>
+              </a:r>
+              <a:endParaRPr lang="zh-CN" altLang="en-US" dirty="0"/>
             </a:p>
           </p:txBody>
         </p:sp>
         <p:sp>
           <p:nvSpPr>
-            <p:cNvPr id="16" name="流程图: 接点 15">
+            <p:cNvPr id="30" name="流程图: 接点 29">
               <a:extLst>
                 <a:ext uri="{FF2B5EF4-FFF2-40B4-BE49-F238E27FC236}">
-                  <a16:creationId xmlns:a16="http://schemas.microsoft.com/office/drawing/2014/main" id="{889CF9E1-17DA-0D59-5EE2-0E4D04242D12}"/>
+                  <a16:creationId xmlns:a16="http://schemas.microsoft.com/office/drawing/2014/main" id="{C97724A1-6C1D-A5A3-00CF-5A12A86DE9BC}"/>
                 </a:ext>
               </a:extLst>
             </p:cNvPr>
@@ -3697,10 +3725,10 @@
         </p:sp>
         <p:sp>
           <p:nvSpPr>
-            <p:cNvPr id="17" name="流程图: 接点 16">
+            <p:cNvPr id="31" name="流程图: 接点 30">
               <a:extLst>
                 <a:ext uri="{FF2B5EF4-FFF2-40B4-BE49-F238E27FC236}">
-                  <a16:creationId xmlns:a16="http://schemas.microsoft.com/office/drawing/2014/main" id="{69B5D4C9-A6C8-BD61-EC02-53EFFEB2A365}"/>
+                  <a16:creationId xmlns:a16="http://schemas.microsoft.com/office/drawing/2014/main" id="{C82258D9-3447-FF2D-01EA-0C6280A4904D}"/>
                 </a:ext>
               </a:extLst>
             </p:cNvPr>
@@ -3754,10 +3782,10 @@
         </p:sp>
         <p:sp>
           <p:nvSpPr>
-            <p:cNvPr id="18" name="流程图: 接点 17">
+            <p:cNvPr id="34" name="流程图: 接点 33">
               <a:extLst>
                 <a:ext uri="{FF2B5EF4-FFF2-40B4-BE49-F238E27FC236}">
-                  <a16:creationId xmlns:a16="http://schemas.microsoft.com/office/drawing/2014/main" id="{932E39BE-DE8F-D7FC-7CB8-74A5EE5AB4E8}"/>
+                  <a16:creationId xmlns:a16="http://schemas.microsoft.com/office/drawing/2014/main" id="{CAECC383-1E25-2B0A-B445-BD6DF6398176}"/>
                 </a:ext>
               </a:extLst>
             </p:cNvPr>
@@ -3811,10 +3839,10 @@
         </p:sp>
         <p:sp>
           <p:nvSpPr>
-            <p:cNvPr id="19" name="流程图: 接点 18">
+            <p:cNvPr id="36" name="流程图: 接点 35">
               <a:extLst>
                 <a:ext uri="{FF2B5EF4-FFF2-40B4-BE49-F238E27FC236}">
-                  <a16:creationId xmlns:a16="http://schemas.microsoft.com/office/drawing/2014/main" id="{AFFDDFE3-A839-2C83-0A37-5555A72A16C5}"/>
+                  <a16:creationId xmlns:a16="http://schemas.microsoft.com/office/drawing/2014/main" id="{6DC3A69B-0E68-3F38-A014-14D5F33C6267}"/>
                 </a:ext>
               </a:extLst>
             </p:cNvPr>
@@ -4724,7 +4752,19 @@
             <a:lstStyle/>
             <a:p>
               <a:pPr algn="ctr"/>
-              <a:endParaRPr lang="zh-CN" altLang="en-US"/>
+              <a:r>
+                <a:rPr lang="en-US" altLang="zh-CN" dirty="0">
+                  <a:solidFill>
+                    <a:schemeClr val="tx1"/>
+                  </a:solidFill>
+                </a:rPr>
+                <a:t>arm</a:t>
+              </a:r>
+              <a:endParaRPr lang="zh-CN" altLang="en-US" dirty="0">
+                <a:solidFill>
+                  <a:schemeClr val="tx1"/>
+                </a:solidFill>
+              </a:endParaRPr>
             </a:p>
           </p:txBody>
         </p:sp>
@@ -4781,7 +4821,7 @@
             <a:lstStyle/>
             <a:p>
               <a:pPr algn="ctr"/>
-              <a:endParaRPr lang="zh-CN" altLang="en-US"/>
+              <a:endParaRPr lang="zh-CN" altLang="en-US" dirty="0"/>
             </a:p>
           </p:txBody>
         </p:sp>
@@ -4838,7 +4878,19 @@
             <a:lstStyle/>
             <a:p>
               <a:pPr algn="ctr"/>
-              <a:endParaRPr lang="zh-CN" altLang="en-US"/>
+              <a:r>
+                <a:rPr lang="en-US" altLang="zh-CN" dirty="0">
+                  <a:solidFill>
+                    <a:schemeClr val="tx1"/>
+                  </a:solidFill>
+                </a:rPr>
+                <a:t>arm</a:t>
+              </a:r>
+              <a:endParaRPr lang="zh-CN" altLang="en-US" dirty="0">
+                <a:solidFill>
+                  <a:schemeClr val="tx1"/>
+                </a:solidFill>
+              </a:endParaRPr>
             </a:p>
           </p:txBody>
         </p:sp>
@@ -4955,7 +5007,11 @@
             <a:lstStyle/>
             <a:p>
               <a:pPr algn="ctr"/>
-              <a:endParaRPr lang="zh-CN" altLang="en-US"/>
+              <a:r>
+                <a:rPr lang="en-US" altLang="zh-CN" dirty="0"/>
+                <a:t>motor</a:t>
+              </a:r>
+              <a:endParaRPr lang="zh-CN" altLang="en-US" dirty="0"/>
             </a:p>
           </p:txBody>
         </p:sp>
